--- a/2016-fall/linked-data-ch1.pptx
+++ b/2016-fall/linked-data-ch1.pptx
@@ -121,6 +121,11 @@
       </a:defRPr>
     </a:lvl9pPr>
   </p:defaultTextStyle>
+  <p:extLst>
+    <p:ext uri="{EFAFB233-063F-42B5-8137-9DF3F51BA10A}">
+      <p15:sldGuideLst xmlns:p15="http://schemas.microsoft.com/office/powerpoint/2012/main"/>
+    </p:ext>
+  </p:extLst>
 </p:presentation>
 </file>
 
@@ -255,7 +260,7 @@
           <a:p>
             <a:fld id="{72BBEC68-9F1C-49DA-B4FC-CB153AC9DA99}" type="datetimeFigureOut">
               <a:rPr lang="en-US" smtClean="0"/>
-              <a:t>9/11/2016</a:t>
+              <a:t>9/13/2016</a:t>
             </a:fld>
             <a:endParaRPr lang="en-US"/>
           </a:p>
@@ -425,7 +430,7 @@
           <a:p>
             <a:fld id="{72BBEC68-9F1C-49DA-B4FC-CB153AC9DA99}" type="datetimeFigureOut">
               <a:rPr lang="en-US" smtClean="0"/>
-              <a:t>9/11/2016</a:t>
+              <a:t>9/13/2016</a:t>
             </a:fld>
             <a:endParaRPr lang="en-US"/>
           </a:p>
@@ -605,7 +610,7 @@
           <a:p>
             <a:fld id="{72BBEC68-9F1C-49DA-B4FC-CB153AC9DA99}" type="datetimeFigureOut">
               <a:rPr lang="en-US" smtClean="0"/>
-              <a:t>9/11/2016</a:t>
+              <a:t>9/13/2016</a:t>
             </a:fld>
             <a:endParaRPr lang="en-US"/>
           </a:p>
@@ -775,7 +780,7 @@
           <a:p>
             <a:fld id="{72BBEC68-9F1C-49DA-B4FC-CB153AC9DA99}" type="datetimeFigureOut">
               <a:rPr lang="en-US" smtClean="0"/>
-              <a:t>9/11/2016</a:t>
+              <a:t>9/13/2016</a:t>
             </a:fld>
             <a:endParaRPr lang="en-US"/>
           </a:p>
@@ -1019,7 +1024,7 @@
           <a:p>
             <a:fld id="{72BBEC68-9F1C-49DA-B4FC-CB153AC9DA99}" type="datetimeFigureOut">
               <a:rPr lang="en-US" smtClean="0"/>
-              <a:t>9/11/2016</a:t>
+              <a:t>9/13/2016</a:t>
             </a:fld>
             <a:endParaRPr lang="en-US"/>
           </a:p>
@@ -1251,7 +1256,7 @@
           <a:p>
             <a:fld id="{72BBEC68-9F1C-49DA-B4FC-CB153AC9DA99}" type="datetimeFigureOut">
               <a:rPr lang="en-US" smtClean="0"/>
-              <a:t>9/11/2016</a:t>
+              <a:t>9/13/2016</a:t>
             </a:fld>
             <a:endParaRPr lang="en-US"/>
           </a:p>
@@ -1618,7 +1623,7 @@
           <a:p>
             <a:fld id="{72BBEC68-9F1C-49DA-B4FC-CB153AC9DA99}" type="datetimeFigureOut">
               <a:rPr lang="en-US" smtClean="0"/>
-              <a:t>9/11/2016</a:t>
+              <a:t>9/13/2016</a:t>
             </a:fld>
             <a:endParaRPr lang="en-US"/>
           </a:p>
@@ -1736,7 +1741,7 @@
           <a:p>
             <a:fld id="{72BBEC68-9F1C-49DA-B4FC-CB153AC9DA99}" type="datetimeFigureOut">
               <a:rPr lang="en-US" smtClean="0"/>
-              <a:t>9/11/2016</a:t>
+              <a:t>9/13/2016</a:t>
             </a:fld>
             <a:endParaRPr lang="en-US"/>
           </a:p>
@@ -1831,7 +1836,7 @@
           <a:p>
             <a:fld id="{72BBEC68-9F1C-49DA-B4FC-CB153AC9DA99}" type="datetimeFigureOut">
               <a:rPr lang="en-US" smtClean="0"/>
-              <a:t>9/11/2016</a:t>
+              <a:t>9/13/2016</a:t>
             </a:fld>
             <a:endParaRPr lang="en-US"/>
           </a:p>
@@ -2108,7 +2113,7 @@
           <a:p>
             <a:fld id="{72BBEC68-9F1C-49DA-B4FC-CB153AC9DA99}" type="datetimeFigureOut">
               <a:rPr lang="en-US" smtClean="0"/>
-              <a:t>9/11/2016</a:t>
+              <a:t>9/13/2016</a:t>
             </a:fld>
             <a:endParaRPr lang="en-US"/>
           </a:p>
@@ -2365,7 +2370,7 @@
           <a:p>
             <a:fld id="{72BBEC68-9F1C-49DA-B4FC-CB153AC9DA99}" type="datetimeFigureOut">
               <a:rPr lang="en-US" smtClean="0"/>
-              <a:t>9/11/2016</a:t>
+              <a:t>9/13/2016</a:t>
             </a:fld>
             <a:endParaRPr lang="en-US"/>
           </a:p>
@@ -2578,7 +2583,7 @@
           <a:p>
             <a:fld id="{72BBEC68-9F1C-49DA-B4FC-CB153AC9DA99}" type="datetimeFigureOut">
               <a:rPr lang="en-US" smtClean="0"/>
-              <a:t>9/11/2016</a:t>
+              <a:t>9/13/2016</a:t>
             </a:fld>
             <a:endParaRPr lang="en-US"/>
           </a:p>
@@ -5989,10 +5994,6 @@
               </a:rPr>
               <a:t>.</a:t>
             </a:r>
-            <a:endParaRPr lang="en-US" sz="1600" dirty="0" smtClean="0">
-              <a:latin typeface="Courier New" panose="02070309020205020404" pitchFamily="49" charset="0"/>
-              <a:cs typeface="Courier New" panose="02070309020205020404" pitchFamily="49" charset="0"/>
-            </a:endParaRPr>
           </a:p>
         </p:txBody>
       </p:sp>
@@ -8855,15 +8856,7 @@
                   <a:schemeClr val="accent1"/>
                 </a:solidFill>
               </a:rPr>
-              <a:t>Who wrote "</a:t>
-            </a:r>
-            <a:r>
-              <a:rPr lang="en-US" dirty="0" smtClean="0">
-                <a:solidFill>
-                  <a:schemeClr val="accent1"/>
-                </a:solidFill>
-              </a:rPr>
-              <a:t>"Population Genetics of </a:t>
+              <a:t>Who wrote ""Population Genetics of </a:t>
             </a:r>
             <a:r>
               <a:rPr lang="en-US" i="1" dirty="0" smtClean="0">
@@ -9669,8 +9662,8 @@
         </p:nvSpPr>
         <p:spPr>
           <a:xfrm>
-            <a:off x="137132" y="1690689"/>
-            <a:ext cx="8869736" cy="1200329"/>
+            <a:off x="0" y="1542408"/>
+            <a:ext cx="9145452" cy="1200329"/>
           </a:xfrm>
           <a:prstGeom prst="rect">
             <a:avLst/>
@@ -9688,26 +9681,26 @@
                 <a:latin typeface="Courier New" panose="02070309020205020404" pitchFamily="49" charset="0"/>
                 <a:cs typeface="Courier New" panose="02070309020205020404" pitchFamily="49" charset="0"/>
               </a:rPr>
-              <a:t>http://bioimages.vanderbilt.edu/baskauf/25041</a:t>
-            </a:r>
-          </a:p>
-          <a:p>
+              <a:t>&lt;http</a:t>
+            </a:r>
             <a:r>
               <a:rPr lang="en-US" dirty="0" smtClean="0">
                 <a:latin typeface="Courier New" panose="02070309020205020404" pitchFamily="49" charset="0"/>
                 <a:cs typeface="Courier New" panose="02070309020205020404" pitchFamily="49" charset="0"/>
               </a:rPr>
-              <a:t>      dwciri:inDescribedPlace http://sws.geonames.org/8617492/;</a:t>
-            </a:r>
-          </a:p>
-          <a:p>
+              <a:t>://</a:t>
+            </a:r>
             <a:r>
               <a:rPr lang="en-US" dirty="0" smtClean="0">
                 <a:latin typeface="Courier New" panose="02070309020205020404" pitchFamily="49" charset="0"/>
                 <a:cs typeface="Courier New" panose="02070309020205020404" pitchFamily="49" charset="0"/>
               </a:rPr>
-              <a:t>      foaf:creator http://orcid.org/0000-0003-4365-3135;</a:t>
-            </a:r>
+              <a:t>bioimages.vanderbilt.edu/baskauf/25041&gt;</a:t>
+            </a:r>
+            <a:endParaRPr lang="en-US" dirty="0" smtClean="0">
+              <a:latin typeface="Courier New" panose="02070309020205020404" pitchFamily="49" charset="0"/>
+              <a:cs typeface="Courier New" panose="02070309020205020404" pitchFamily="49" charset="0"/>
+            </a:endParaRPr>
           </a:p>
           <a:p>
             <a:r>
@@ -9715,8 +9708,143 @@
                 <a:latin typeface="Courier New" panose="02070309020205020404" pitchFamily="49" charset="0"/>
                 <a:cs typeface="Courier New" panose="02070309020205020404" pitchFamily="49" charset="0"/>
               </a:rPr>
-              <a:t>      rdfs:seeAlso http://dx.doi.org/10.1093/jhered/esp033.</a:t>
-            </a:r>
+              <a:t>      </a:t>
+            </a:r>
+            <a:r>
+              <a:rPr lang="en-US" dirty="0" err="1" smtClean="0">
+                <a:latin typeface="Courier New" panose="02070309020205020404" pitchFamily="49" charset="0"/>
+                <a:cs typeface="Courier New" panose="02070309020205020404" pitchFamily="49" charset="0"/>
+              </a:rPr>
+              <a:t>dwciri:inDescribedPlace</a:t>
+            </a:r>
+            <a:r>
+              <a:rPr lang="en-US" dirty="0" smtClean="0">
+                <a:latin typeface="Courier New" panose="02070309020205020404" pitchFamily="49" charset="0"/>
+                <a:cs typeface="Courier New" panose="02070309020205020404" pitchFamily="49" charset="0"/>
+              </a:rPr>
+              <a:t> </a:t>
+            </a:r>
+            <a:r>
+              <a:rPr lang="en-US" dirty="0" smtClean="0">
+                <a:latin typeface="Courier New" panose="02070309020205020404" pitchFamily="49" charset="0"/>
+                <a:cs typeface="Courier New" panose="02070309020205020404" pitchFamily="49" charset="0"/>
+              </a:rPr>
+              <a:t>&lt;http</a:t>
+            </a:r>
+            <a:r>
+              <a:rPr lang="en-US" dirty="0" smtClean="0">
+                <a:latin typeface="Courier New" panose="02070309020205020404" pitchFamily="49" charset="0"/>
+                <a:cs typeface="Courier New" panose="02070309020205020404" pitchFamily="49" charset="0"/>
+              </a:rPr>
+              <a:t>://sws.geonames.org/8617492</a:t>
+            </a:r>
+            <a:r>
+              <a:rPr lang="en-US" dirty="0" smtClean="0">
+                <a:latin typeface="Courier New" panose="02070309020205020404" pitchFamily="49" charset="0"/>
+                <a:cs typeface="Courier New" panose="02070309020205020404" pitchFamily="49" charset="0"/>
+              </a:rPr>
+              <a:t>/&gt;;</a:t>
+            </a:r>
+            <a:endParaRPr lang="en-US" dirty="0" smtClean="0">
+              <a:latin typeface="Courier New" panose="02070309020205020404" pitchFamily="49" charset="0"/>
+              <a:cs typeface="Courier New" panose="02070309020205020404" pitchFamily="49" charset="0"/>
+            </a:endParaRPr>
+          </a:p>
+          <a:p>
+            <a:r>
+              <a:rPr lang="en-US" dirty="0" smtClean="0">
+                <a:latin typeface="Courier New" panose="02070309020205020404" pitchFamily="49" charset="0"/>
+                <a:cs typeface="Courier New" panose="02070309020205020404" pitchFamily="49" charset="0"/>
+              </a:rPr>
+              <a:t>      </a:t>
+            </a:r>
+            <a:r>
+              <a:rPr lang="en-US" dirty="0" err="1" smtClean="0">
+                <a:latin typeface="Courier New" panose="02070309020205020404" pitchFamily="49" charset="0"/>
+                <a:cs typeface="Courier New" panose="02070309020205020404" pitchFamily="49" charset="0"/>
+              </a:rPr>
+              <a:t>foaf:creator</a:t>
+            </a:r>
+            <a:r>
+              <a:rPr lang="en-US" dirty="0" smtClean="0">
+                <a:latin typeface="Courier New" panose="02070309020205020404" pitchFamily="49" charset="0"/>
+                <a:cs typeface="Courier New" panose="02070309020205020404" pitchFamily="49" charset="0"/>
+              </a:rPr>
+              <a:t> </a:t>
+            </a:r>
+            <a:r>
+              <a:rPr lang="en-US" dirty="0" smtClean="0">
+                <a:latin typeface="Courier New" panose="02070309020205020404" pitchFamily="49" charset="0"/>
+                <a:cs typeface="Courier New" panose="02070309020205020404" pitchFamily="49" charset="0"/>
+              </a:rPr>
+              <a:t>&lt;http</a:t>
+            </a:r>
+            <a:r>
+              <a:rPr lang="en-US" dirty="0" smtClean="0">
+                <a:latin typeface="Courier New" panose="02070309020205020404" pitchFamily="49" charset="0"/>
+                <a:cs typeface="Courier New" panose="02070309020205020404" pitchFamily="49" charset="0"/>
+              </a:rPr>
+              <a:t>://</a:t>
+            </a:r>
+            <a:r>
+              <a:rPr lang="en-US" dirty="0" smtClean="0">
+                <a:latin typeface="Courier New" panose="02070309020205020404" pitchFamily="49" charset="0"/>
+                <a:cs typeface="Courier New" panose="02070309020205020404" pitchFamily="49" charset="0"/>
+              </a:rPr>
+              <a:t>orcid.org/0000-0003-4365-3135&gt;;</a:t>
+            </a:r>
+            <a:endParaRPr lang="en-US" dirty="0" smtClean="0">
+              <a:latin typeface="Courier New" panose="02070309020205020404" pitchFamily="49" charset="0"/>
+              <a:cs typeface="Courier New" panose="02070309020205020404" pitchFamily="49" charset="0"/>
+            </a:endParaRPr>
+          </a:p>
+          <a:p>
+            <a:r>
+              <a:rPr lang="en-US" dirty="0" smtClean="0">
+                <a:latin typeface="Courier New" panose="02070309020205020404" pitchFamily="49" charset="0"/>
+                <a:cs typeface="Courier New" panose="02070309020205020404" pitchFamily="49" charset="0"/>
+              </a:rPr>
+              <a:t>      </a:t>
+            </a:r>
+            <a:r>
+              <a:rPr lang="en-US" dirty="0" err="1" smtClean="0">
+                <a:latin typeface="Courier New" panose="02070309020205020404" pitchFamily="49" charset="0"/>
+                <a:cs typeface="Courier New" panose="02070309020205020404" pitchFamily="49" charset="0"/>
+              </a:rPr>
+              <a:t>rdfs:seeAlso</a:t>
+            </a:r>
+            <a:r>
+              <a:rPr lang="en-US" dirty="0" smtClean="0">
+                <a:latin typeface="Courier New" panose="02070309020205020404" pitchFamily="49" charset="0"/>
+                <a:cs typeface="Courier New" panose="02070309020205020404" pitchFamily="49" charset="0"/>
+              </a:rPr>
+              <a:t> </a:t>
+            </a:r>
+            <a:r>
+              <a:rPr lang="en-US" dirty="0" smtClean="0">
+                <a:latin typeface="Courier New" panose="02070309020205020404" pitchFamily="49" charset="0"/>
+                <a:cs typeface="Courier New" panose="02070309020205020404" pitchFamily="49" charset="0"/>
+              </a:rPr>
+              <a:t>&lt;http</a:t>
+            </a:r>
+            <a:r>
+              <a:rPr lang="en-US" dirty="0" smtClean="0">
+                <a:latin typeface="Courier New" panose="02070309020205020404" pitchFamily="49" charset="0"/>
+                <a:cs typeface="Courier New" panose="02070309020205020404" pitchFamily="49" charset="0"/>
+              </a:rPr>
+              <a:t>://</a:t>
+            </a:r>
+            <a:r>
+              <a:rPr lang="en-US" dirty="0" smtClean="0">
+                <a:latin typeface="Courier New" panose="02070309020205020404" pitchFamily="49" charset="0"/>
+                <a:cs typeface="Courier New" panose="02070309020205020404" pitchFamily="49" charset="0"/>
+              </a:rPr>
+              <a:t>dx.doi.org/10.1093/jhered/esp033&gt;.</a:t>
+            </a:r>
+            <a:endParaRPr lang="en-US" dirty="0" smtClean="0">
+              <a:latin typeface="Courier New" panose="02070309020205020404" pitchFamily="49" charset="0"/>
+              <a:cs typeface="Courier New" panose="02070309020205020404" pitchFamily="49" charset="0"/>
+            </a:endParaRPr>
           </a:p>
         </p:txBody>
       </p:sp>
@@ -9788,15 +9916,7 @@
                   <a:schemeClr val="accent1"/>
                 </a:solidFill>
               </a:rPr>
-              <a:t>Who wrote "</a:t>
-            </a:r>
-            <a:r>
-              <a:rPr lang="en-US" dirty="0" smtClean="0">
-                <a:solidFill>
-                  <a:schemeClr val="accent1"/>
-                </a:solidFill>
-              </a:rPr>
-              <a:t>"Population Genetics of </a:t>
+              <a:t>Who wrote ""Population Genetics of </a:t>
             </a:r>
             <a:r>
               <a:rPr lang="en-US" i="1" dirty="0" smtClean="0">
